--- a/NNN.pptx
+++ b/NNN.pptx
@@ -10,11 +10,16 @@
     <p:sldId id="259" r:id="rId7"/>
     <p:sldId id="260" r:id="rId8"/>
     <p:sldId id="261" r:id="rId9"/>
-    <p:sldId id="262" r:id="rId10"/>
-    <p:sldId id="263" r:id="rId11"/>
-    <p:sldId id="264" r:id="rId12"/>
-    <p:sldId id="265" r:id="rId13"/>
-    <p:sldId id="266" r:id="rId14"/>
+    <p:sldId id="267" r:id="rId10"/>
+    <p:sldId id="268" r:id="rId11"/>
+    <p:sldId id="262" r:id="rId12"/>
+    <p:sldId id="263" r:id="rId13"/>
+    <p:sldId id="269" r:id="rId14"/>
+    <p:sldId id="264" r:id="rId15"/>
+    <p:sldId id="265" r:id="rId16"/>
+    <p:sldId id="266" r:id="rId17"/>
+    <p:sldId id="270" r:id="rId18"/>
+    <p:sldId id="271" r:id="rId19"/>
   </p:sldIdLst>
   <p:sldSz cx="12192000" cy="6858000"/>
   <p:notesSz cx="6858000" cy="9144000"/>
@@ -24055,7 +24060,7 @@
           <a:p>
             <a:fld id="{ED291B17-9318-49DB-B28B-6E5994AE9581}" type="datetime1">
               <a:rPr lang="en-US" smtClean="0"/>
-              <a:t>3/9/2024</a:t>
+              <a:t>3/10/2024</a:t>
             </a:fld>
             <a:endParaRPr lang="en-US" dirty="0"/>
           </a:p>
@@ -24258,7 +24263,7 @@
           <a:p>
             <a:fld id="{2CED4963-E985-44C4-B8C4-FDD613B7C2F8}" type="datetime1">
               <a:rPr lang="en-US" smtClean="0"/>
-              <a:t>3/9/2024</a:t>
+              <a:t>3/10/2024</a:t>
             </a:fld>
             <a:endParaRPr lang="en-US" dirty="0"/>
           </a:p>
@@ -24620,7 +24625,7 @@
           <a:p>
             <a:fld id="{ED291B17-9318-49DB-B28B-6E5994AE9581}" type="datetime1">
               <a:rPr lang="en-US" smtClean="0"/>
-              <a:t>3/9/2024</a:t>
+              <a:t>3/10/2024</a:t>
             </a:fld>
             <a:endParaRPr lang="en-US" dirty="0"/>
           </a:p>
@@ -24818,7 +24823,7 @@
           <a:p>
             <a:fld id="{78DD82B9-B8EE-4375-B6FF-88FA6ABB15D9}" type="datetime1">
               <a:rPr lang="en-US" smtClean="0"/>
-              <a:t>3/9/2024</a:t>
+              <a:t>3/10/2024</a:t>
             </a:fld>
             <a:endParaRPr lang="en-US" dirty="0"/>
           </a:p>
@@ -25130,7 +25135,7 @@
           <a:p>
             <a:fld id="{B2497495-0637-405E-AE64-5CC7506D51F5}" type="datetime1">
               <a:rPr lang="en-US" smtClean="0"/>
-              <a:t>3/9/2024</a:t>
+              <a:t>3/10/2024</a:t>
             </a:fld>
             <a:endParaRPr lang="en-US" dirty="0"/>
           </a:p>
@@ -25383,7 +25388,7 @@
           <a:p>
             <a:fld id="{7BFFD690-9426-415D-8B65-26881E07B2D4}" type="datetime1">
               <a:rPr lang="en-US" smtClean="0"/>
-              <a:t>3/9/2024</a:t>
+              <a:t>3/10/2024</a:t>
             </a:fld>
             <a:endParaRPr lang="en-US" dirty="0"/>
           </a:p>
@@ -25805,7 +25810,7 @@
           <a:p>
             <a:fld id="{04C4989A-474C-40DE-95B9-011C28B71673}" type="datetime1">
               <a:rPr lang="en-US" smtClean="0"/>
-              <a:t>3/9/2024</a:t>
+              <a:t>3/10/2024</a:t>
             </a:fld>
             <a:endParaRPr lang="en-US" dirty="0"/>
           </a:p>
@@ -25928,7 +25933,7 @@
           <a:p>
             <a:fld id="{5DB4ED54-5B5E-4A04-93D3-5772E3CE3818}" type="datetime1">
               <a:rPr lang="en-US" smtClean="0"/>
-              <a:t>3/9/2024</a:t>
+              <a:t>3/10/2024</a:t>
             </a:fld>
             <a:endParaRPr lang="en-US" dirty="0"/>
           </a:p>
@@ -26023,7 +26028,7 @@
           <a:p>
             <a:fld id="{4EDE50D6-574B-40AF-946F-D52A04ADE379}" type="datetime1">
               <a:rPr lang="en-US" smtClean="0"/>
-              <a:t>3/9/2024</a:t>
+              <a:t>3/10/2024</a:t>
             </a:fld>
             <a:endParaRPr lang="en-US" dirty="0"/>
           </a:p>
@@ -26400,7 +26405,7 @@
           <a:p>
             <a:fld id="{D82884F1-FFEA-405F-9602-3DCA865EDA4E}" type="datetime1">
               <a:rPr lang="en-US" smtClean="0"/>
-              <a:t>3/9/2024</a:t>
+              <a:t>3/10/2024</a:t>
             </a:fld>
             <a:endParaRPr lang="en-US" dirty="0"/>
           </a:p>
@@ -26693,7 +26698,7 @@
           <a:p>
             <a:fld id="{7E18DB4A-8810-4A10-AD5C-D5E2C667F5B3}" type="datetime1">
               <a:rPr lang="en-US" smtClean="0"/>
-              <a:t>3/9/2024</a:t>
+              <a:t>3/10/2024</a:t>
             </a:fld>
             <a:endParaRPr lang="en-US" dirty="0"/>
           </a:p>
@@ -26908,7 +26913,7 @@
           <a:p>
             <a:fld id="{ED291B17-9318-49DB-B28B-6E5994AE9581}" type="datetime1">
               <a:rPr lang="en-US" smtClean="0"/>
-              <a:t>3/9/2024</a:t>
+              <a:t>3/10/2024</a:t>
             </a:fld>
             <a:endParaRPr lang="en-US" dirty="0"/>
           </a:p>
@@ -27908,6 +27913,306 @@
       </p:grpSpPr>
       <p:sp>
         <p:nvSpPr>
+          <p:cNvPr id="6" name="Title 5">
+            <a:extLst>
+              <a:ext uri="{FF2B5EF4-FFF2-40B4-BE49-F238E27FC236}">
+                <a16:creationId xmlns:a16="http://schemas.microsoft.com/office/drawing/2014/main" id="{97B62B9F-64FC-31DC-6441-96408FAA454B}"/>
+              </a:ext>
+            </a:extLst>
+          </p:cNvPr>
+          <p:cNvSpPr>
+            <a:spLocks noGrp="1"/>
+          </p:cNvSpPr>
+          <p:nvPr>
+            <p:ph type="title"/>
+          </p:nvPr>
+        </p:nvSpPr>
+        <p:spPr/>
+        <p:txBody>
+          <a:bodyPr/>
+          <a:lstStyle/>
+          <a:p>
+            <a:r>
+              <a:rPr lang="en-IN" dirty="0"/>
+              <a:t>Accuracy For various models used</a:t>
+            </a:r>
+          </a:p>
+        </p:txBody>
+      </p:sp>
+      <p:pic>
+        <p:nvPicPr>
+          <p:cNvPr id="8" name="Picture 7">
+            <a:extLst>
+              <a:ext uri="{FF2B5EF4-FFF2-40B4-BE49-F238E27FC236}">
+                <a16:creationId xmlns:a16="http://schemas.microsoft.com/office/drawing/2014/main" id="{AB6BF457-DE66-4BE5-35DD-7A85DA0C63AB}"/>
+              </a:ext>
+            </a:extLst>
+          </p:cNvPr>
+          <p:cNvPicPr>
+            <a:picLocks noChangeAspect="1"/>
+          </p:cNvPicPr>
+          <p:nvPr/>
+        </p:nvPicPr>
+        <p:blipFill rotWithShape="1">
+          <a:blip r:embed="rId2"/>
+          <a:srcRect l="1499" r="-1499"/>
+          <a:stretch/>
+        </p:blipFill>
+        <p:spPr>
+          <a:xfrm>
+            <a:off x="2806421" y="2827343"/>
+            <a:ext cx="6579157" cy="1203314"/>
+          </a:xfrm>
+          <a:prstGeom prst="rect">
+            <a:avLst/>
+          </a:prstGeom>
+        </p:spPr>
+      </p:pic>
+      <p:sp>
+        <p:nvSpPr>
+          <p:cNvPr id="9" name="TextBox 8">
+            <a:extLst>
+              <a:ext uri="{FF2B5EF4-FFF2-40B4-BE49-F238E27FC236}">
+                <a16:creationId xmlns:a16="http://schemas.microsoft.com/office/drawing/2014/main" id="{2BCC2997-41CE-A244-D2EA-9251D329D2EE}"/>
+              </a:ext>
+            </a:extLst>
+          </p:cNvPr>
+          <p:cNvSpPr txBox="1"/>
+          <p:nvPr/>
+        </p:nvSpPr>
+        <p:spPr>
+          <a:xfrm>
+            <a:off x="1362635" y="4816844"/>
+            <a:ext cx="9702528" cy="646331"/>
+          </a:xfrm>
+          <a:prstGeom prst="rect">
+            <a:avLst/>
+          </a:prstGeom>
+          <a:noFill/>
+        </p:spPr>
+        <p:txBody>
+          <a:bodyPr wrap="none" rtlCol="0">
+            <a:spAutoFit/>
+          </a:bodyPr>
+          <a:lstStyle/>
+          <a:p>
+            <a:r>
+              <a:rPr lang="en-IN" dirty="0"/>
+              <a:t>As the accuracy for NB and Decision Tree are below 90% we use an hybrid model which combines </a:t>
+            </a:r>
+          </a:p>
+          <a:p>
+            <a:r>
+              <a:rPr lang="en-IN" dirty="0"/>
+              <a:t>ML models and NLP-based models and increase the accuracy of the final model.</a:t>
+            </a:r>
+          </a:p>
+        </p:txBody>
+      </p:sp>
+    </p:spTree>
+    <p:extLst>
+      <p:ext uri="{BB962C8B-B14F-4D97-AF65-F5344CB8AC3E}">
+        <p14:creationId xmlns:p14="http://schemas.microsoft.com/office/powerpoint/2010/main" val="3142769471"/>
+      </p:ext>
+    </p:extLst>
+  </p:cSld>
+  <p:clrMapOvr>
+    <a:masterClrMapping/>
+  </p:clrMapOvr>
+</p:sld>
+</file>
+
+<file path=ppt/slides/slide11.xml><?xml version="1.0" encoding="utf-8"?>
+<p:sld xmlns:a="http://schemas.openxmlformats.org/drawingml/2006/main" xmlns:r="http://schemas.openxmlformats.org/officeDocument/2006/relationships" xmlns:p="http://schemas.openxmlformats.org/presentationml/2006/main">
+  <p:cSld>
+    <p:spTree>
+      <p:nvGrpSpPr>
+        <p:cNvPr id="1" name=""/>
+        <p:cNvGrpSpPr/>
+        <p:nvPr/>
+      </p:nvGrpSpPr>
+      <p:grpSpPr>
+        <a:xfrm>
+          <a:off x="0" y="0"/>
+          <a:ext cx="0" cy="0"/>
+          <a:chOff x="0" y="0"/>
+          <a:chExt cx="0" cy="0"/>
+        </a:xfrm>
+      </p:grpSpPr>
+      <p:sp>
+        <p:nvSpPr>
+          <p:cNvPr id="2" name="Title 1">
+            <a:extLst>
+              <a:ext uri="{FF2B5EF4-FFF2-40B4-BE49-F238E27FC236}">
+                <a16:creationId xmlns:a16="http://schemas.microsoft.com/office/drawing/2014/main" id="{36687A7D-60FF-61FC-5736-EDA1C5AB9933}"/>
+              </a:ext>
+            </a:extLst>
+          </p:cNvPr>
+          <p:cNvSpPr>
+            <a:spLocks noGrp="1"/>
+          </p:cNvSpPr>
+          <p:nvPr>
+            <p:ph type="title"/>
+          </p:nvPr>
+        </p:nvSpPr>
+        <p:spPr/>
+        <p:txBody>
+          <a:bodyPr/>
+          <a:lstStyle/>
+          <a:p>
+            <a:r>
+              <a:rPr lang="en-IN" dirty="0"/>
+              <a:t>  </a:t>
+            </a:r>
+          </a:p>
+        </p:txBody>
+      </p:sp>
+      <p:graphicFrame>
+        <p:nvGraphicFramePr>
+          <p:cNvPr id="3" name="Diagram 2">
+            <a:extLst>
+              <a:ext uri="{FF2B5EF4-FFF2-40B4-BE49-F238E27FC236}">
+                <a16:creationId xmlns:a16="http://schemas.microsoft.com/office/drawing/2014/main" id="{CD43C9DD-5A5B-4AB5-6C16-BCB2AB9DEE09}"/>
+              </a:ext>
+            </a:extLst>
+          </p:cNvPr>
+          <p:cNvGraphicFramePr/>
+          <p:nvPr>
+            <p:extLst>
+              <p:ext uri="{D42A27DB-BD31-4B8C-83A1-F6EECF244321}">
+                <p14:modId xmlns:p14="http://schemas.microsoft.com/office/powerpoint/2010/main" val="631300099"/>
+              </p:ext>
+            </p:extLst>
+          </p:nvPr>
+        </p:nvGraphicFramePr>
+        <p:xfrm>
+          <a:off x="2032000" y="719666"/>
+          <a:ext cx="8128000" cy="5418667"/>
+        </p:xfrm>
+        <a:graphic>
+          <a:graphicData uri="http://schemas.openxmlformats.org/drawingml/2006/diagram">
+            <dgm:relIds xmlns:dgm="http://schemas.openxmlformats.org/drawingml/2006/diagram" xmlns:r="http://schemas.openxmlformats.org/officeDocument/2006/relationships" r:dm="rId2" r:lo="rId3" r:qs="rId4" r:cs="rId5"/>
+          </a:graphicData>
+        </a:graphic>
+      </p:graphicFrame>
+    </p:spTree>
+    <p:extLst>
+      <p:ext uri="{BB962C8B-B14F-4D97-AF65-F5344CB8AC3E}">
+        <p14:creationId xmlns:p14="http://schemas.microsoft.com/office/powerpoint/2010/main" val="1777066670"/>
+      </p:ext>
+    </p:extLst>
+  </p:cSld>
+  <p:clrMapOvr>
+    <a:masterClrMapping/>
+  </p:clrMapOvr>
+</p:sld>
+</file>
+
+<file path=ppt/slides/slide12.xml><?xml version="1.0" encoding="utf-8"?>
+<p:sld xmlns:a="http://schemas.openxmlformats.org/drawingml/2006/main" xmlns:r="http://schemas.openxmlformats.org/officeDocument/2006/relationships" xmlns:p="http://schemas.openxmlformats.org/presentationml/2006/main">
+  <p:cSld>
+    <p:spTree>
+      <p:nvGrpSpPr>
+        <p:cNvPr id="1" name=""/>
+        <p:cNvGrpSpPr/>
+        <p:nvPr/>
+      </p:nvGrpSpPr>
+      <p:grpSpPr>
+        <a:xfrm>
+          <a:off x="0" y="0"/>
+          <a:ext cx="0" cy="0"/>
+          <a:chOff x="0" y="0"/>
+          <a:chExt cx="0" cy="0"/>
+        </a:xfrm>
+      </p:grpSpPr>
+      <p:sp>
+        <p:nvSpPr>
+          <p:cNvPr id="2" name="Title 1">
+            <a:extLst>
+              <a:ext uri="{FF2B5EF4-FFF2-40B4-BE49-F238E27FC236}">
+                <a16:creationId xmlns:a16="http://schemas.microsoft.com/office/drawing/2014/main" id="{A0CF0DD7-39B9-4B35-382B-1949730F3B48}"/>
+              </a:ext>
+            </a:extLst>
+          </p:cNvPr>
+          <p:cNvSpPr>
+            <a:spLocks noGrp="1"/>
+          </p:cNvSpPr>
+          <p:nvPr>
+            <p:ph type="title"/>
+          </p:nvPr>
+        </p:nvSpPr>
+        <p:spPr/>
+        <p:txBody>
+          <a:bodyPr/>
+          <a:lstStyle/>
+          <a:p>
+            <a:r>
+              <a:rPr lang="en-IN" dirty="0"/>
+              <a:t> </a:t>
+            </a:r>
+          </a:p>
+        </p:txBody>
+      </p:sp>
+      <p:graphicFrame>
+        <p:nvGraphicFramePr>
+          <p:cNvPr id="3" name="Diagram 2">
+            <a:extLst>
+              <a:ext uri="{FF2B5EF4-FFF2-40B4-BE49-F238E27FC236}">
+                <a16:creationId xmlns:a16="http://schemas.microsoft.com/office/drawing/2014/main" id="{9CFC9DF1-A566-60E0-F8B6-B8E93F42479C}"/>
+              </a:ext>
+            </a:extLst>
+          </p:cNvPr>
+          <p:cNvGraphicFramePr/>
+          <p:nvPr>
+            <p:extLst>
+              <p:ext uri="{D42A27DB-BD31-4B8C-83A1-F6EECF244321}">
+                <p14:modId xmlns:p14="http://schemas.microsoft.com/office/powerpoint/2010/main" val="836986208"/>
+              </p:ext>
+            </p:extLst>
+          </p:nvPr>
+        </p:nvGraphicFramePr>
+        <p:xfrm>
+          <a:off x="2032000" y="719666"/>
+          <a:ext cx="8128000" cy="5418667"/>
+        </p:xfrm>
+        <a:graphic>
+          <a:graphicData uri="http://schemas.openxmlformats.org/drawingml/2006/diagram">
+            <dgm:relIds xmlns:dgm="http://schemas.openxmlformats.org/drawingml/2006/diagram" xmlns:r="http://schemas.openxmlformats.org/officeDocument/2006/relationships" r:dm="rId2" r:lo="rId3" r:qs="rId4" r:cs="rId5"/>
+          </a:graphicData>
+        </a:graphic>
+      </p:graphicFrame>
+    </p:spTree>
+    <p:extLst>
+      <p:ext uri="{BB962C8B-B14F-4D97-AF65-F5344CB8AC3E}">
+        <p14:creationId xmlns:p14="http://schemas.microsoft.com/office/powerpoint/2010/main" val="2694633770"/>
+      </p:ext>
+    </p:extLst>
+  </p:cSld>
+  <p:clrMapOvr>
+    <a:masterClrMapping/>
+  </p:clrMapOvr>
+</p:sld>
+</file>
+
+<file path=ppt/slides/slide13.xml><?xml version="1.0" encoding="utf-8"?>
+<p:sld xmlns:a="http://schemas.openxmlformats.org/drawingml/2006/main" xmlns:r="http://schemas.openxmlformats.org/officeDocument/2006/relationships" xmlns:p="http://schemas.openxmlformats.org/presentationml/2006/main">
+  <p:cSld>
+    <p:spTree>
+      <p:nvGrpSpPr>
+        <p:cNvPr id="1" name=""/>
+        <p:cNvGrpSpPr/>
+        <p:nvPr/>
+      </p:nvGrpSpPr>
+      <p:grpSpPr>
+        <a:xfrm>
+          <a:off x="0" y="0"/>
+          <a:ext cx="0" cy="0"/>
+          <a:chOff x="0" y="0"/>
+          <a:chExt cx="0" cy="0"/>
+        </a:xfrm>
+      </p:grpSpPr>
+      <p:sp>
+        <p:nvSpPr>
           <p:cNvPr id="2" name="Title 1">
             <a:extLst>
               <a:ext uri="{FF2B5EF4-FFF2-40B4-BE49-F238E27FC236}">
@@ -27966,6 +28271,258 @@
     <p:extLst>
       <p:ext uri="{BB962C8B-B14F-4D97-AF65-F5344CB8AC3E}">
         <p14:creationId xmlns:p14="http://schemas.microsoft.com/office/powerpoint/2010/main" val="4066621035"/>
+      </p:ext>
+    </p:extLst>
+  </p:cSld>
+  <p:clrMapOvr>
+    <a:masterClrMapping/>
+  </p:clrMapOvr>
+</p:sld>
+</file>
+
+<file path=ppt/slides/slide14.xml><?xml version="1.0" encoding="utf-8"?>
+<p:sld xmlns:a="http://schemas.openxmlformats.org/drawingml/2006/main" xmlns:r="http://schemas.openxmlformats.org/officeDocument/2006/relationships" xmlns:p="http://schemas.openxmlformats.org/presentationml/2006/main">
+  <p:cSld>
+    <p:spTree>
+      <p:nvGrpSpPr>
+        <p:cNvPr id="1" name=""/>
+        <p:cNvGrpSpPr/>
+        <p:nvPr/>
+      </p:nvGrpSpPr>
+      <p:grpSpPr>
+        <a:xfrm>
+          <a:off x="0" y="0"/>
+          <a:ext cx="0" cy="0"/>
+          <a:chOff x="0" y="0"/>
+          <a:chExt cx="0" cy="0"/>
+        </a:xfrm>
+      </p:grpSpPr>
+      <p:sp>
+        <p:nvSpPr>
+          <p:cNvPr id="2" name="Title 1">
+            <a:extLst>
+              <a:ext uri="{FF2B5EF4-FFF2-40B4-BE49-F238E27FC236}">
+                <a16:creationId xmlns:a16="http://schemas.microsoft.com/office/drawing/2014/main" id="{677A4286-5E51-8D59-45BC-5DEDD593BD72}"/>
+              </a:ext>
+            </a:extLst>
+          </p:cNvPr>
+          <p:cNvSpPr>
+            <a:spLocks noGrp="1"/>
+          </p:cNvSpPr>
+          <p:nvPr>
+            <p:ph type="title"/>
+          </p:nvPr>
+        </p:nvSpPr>
+        <p:spPr/>
+        <p:txBody>
+          <a:bodyPr/>
+          <a:lstStyle/>
+          <a:p>
+            <a:r>
+              <a:rPr lang="en-IN" dirty="0"/>
+              <a:t>Accuracy for the final model</a:t>
+            </a:r>
+          </a:p>
+        </p:txBody>
+      </p:sp>
+      <p:pic>
+        <p:nvPicPr>
+          <p:cNvPr id="4" name="Picture 3">
+            <a:extLst>
+              <a:ext uri="{FF2B5EF4-FFF2-40B4-BE49-F238E27FC236}">
+                <a16:creationId xmlns:a16="http://schemas.microsoft.com/office/drawing/2014/main" id="{EE6C407F-98A9-B6DE-3E7E-6D2EF2D191FD}"/>
+              </a:ext>
+            </a:extLst>
+          </p:cNvPr>
+          <p:cNvPicPr>
+            <a:picLocks noChangeAspect="1"/>
+          </p:cNvPicPr>
+          <p:nvPr/>
+        </p:nvPicPr>
+        <p:blipFill>
+          <a:blip r:embed="rId2"/>
+          <a:stretch>
+            <a:fillRect/>
+          </a:stretch>
+        </p:blipFill>
+        <p:spPr>
+          <a:xfrm>
+            <a:off x="1934130" y="2348051"/>
+            <a:ext cx="8465406" cy="2161898"/>
+          </a:xfrm>
+          <a:prstGeom prst="rect">
+            <a:avLst/>
+          </a:prstGeom>
+        </p:spPr>
+      </p:pic>
+      <p:sp>
+        <p:nvSpPr>
+          <p:cNvPr id="5" name="TextBox 4">
+            <a:extLst>
+              <a:ext uri="{FF2B5EF4-FFF2-40B4-BE49-F238E27FC236}">
+                <a16:creationId xmlns:a16="http://schemas.microsoft.com/office/drawing/2014/main" id="{0C5B67AB-BB33-6D11-BC73-D8DE8684743F}"/>
+              </a:ext>
+            </a:extLst>
+          </p:cNvPr>
+          <p:cNvSpPr txBox="1"/>
+          <p:nvPr/>
+        </p:nvSpPr>
+        <p:spPr>
+          <a:xfrm>
+            <a:off x="2675149" y="4909177"/>
+            <a:ext cx="6831106" cy="461665"/>
+          </a:xfrm>
+          <a:prstGeom prst="rect">
+            <a:avLst/>
+          </a:prstGeom>
+          <a:noFill/>
+        </p:spPr>
+        <p:txBody>
+          <a:bodyPr wrap="square" rtlCol="0">
+            <a:spAutoFit/>
+          </a:bodyPr>
+          <a:lstStyle/>
+          <a:p>
+            <a:r>
+              <a:rPr lang="en-IN" sz="2400" dirty="0"/>
+              <a:t>We got more the 94% for the combined model</a:t>
+            </a:r>
+          </a:p>
+        </p:txBody>
+      </p:sp>
+    </p:spTree>
+    <p:extLst>
+      <p:ext uri="{BB962C8B-B14F-4D97-AF65-F5344CB8AC3E}">
+        <p14:creationId xmlns:p14="http://schemas.microsoft.com/office/powerpoint/2010/main" val="420979423"/>
+      </p:ext>
+    </p:extLst>
+  </p:cSld>
+  <p:clrMapOvr>
+    <a:masterClrMapping/>
+  </p:clrMapOvr>
+</p:sld>
+</file>
+
+<file path=ppt/slides/slide15.xml><?xml version="1.0" encoding="utf-8"?>
+<p:sld xmlns:a="http://schemas.openxmlformats.org/drawingml/2006/main" xmlns:r="http://schemas.openxmlformats.org/officeDocument/2006/relationships" xmlns:p="http://schemas.openxmlformats.org/presentationml/2006/main">
+  <p:cSld>
+    <p:spTree>
+      <p:nvGrpSpPr>
+        <p:cNvPr id="1" name=""/>
+        <p:cNvGrpSpPr/>
+        <p:nvPr/>
+      </p:nvGrpSpPr>
+      <p:grpSpPr>
+        <a:xfrm>
+          <a:off x="0" y="0"/>
+          <a:ext cx="0" cy="0"/>
+          <a:chOff x="0" y="0"/>
+          <a:chExt cx="0" cy="0"/>
+        </a:xfrm>
+      </p:grpSpPr>
+      <p:sp>
+        <p:nvSpPr>
+          <p:cNvPr id="2" name="Title 1">
+            <a:extLst>
+              <a:ext uri="{FF2B5EF4-FFF2-40B4-BE49-F238E27FC236}">
+                <a16:creationId xmlns:a16="http://schemas.microsoft.com/office/drawing/2014/main" id="{7358117B-56F0-FF30-FAFA-E8B42F73E725}"/>
+              </a:ext>
+            </a:extLst>
+          </p:cNvPr>
+          <p:cNvSpPr>
+            <a:spLocks noGrp="1"/>
+          </p:cNvSpPr>
+          <p:nvPr>
+            <p:ph type="title"/>
+          </p:nvPr>
+        </p:nvSpPr>
+        <p:spPr/>
+        <p:txBody>
+          <a:bodyPr/>
+          <a:lstStyle/>
+          <a:p>
+            <a:r>
+              <a:rPr lang="en-IN" dirty="0"/>
+              <a:t>Trust tokens</a:t>
+            </a:r>
+          </a:p>
+        </p:txBody>
+      </p:sp>
+      <p:sp>
+        <p:nvSpPr>
+          <p:cNvPr id="3" name="TextBox 2">
+            <a:extLst>
+              <a:ext uri="{FF2B5EF4-FFF2-40B4-BE49-F238E27FC236}">
+                <a16:creationId xmlns:a16="http://schemas.microsoft.com/office/drawing/2014/main" id="{FCD8B9A4-3409-6416-5E80-51430F680790}"/>
+              </a:ext>
+            </a:extLst>
+          </p:cNvPr>
+          <p:cNvSpPr txBox="1"/>
+          <p:nvPr/>
+        </p:nvSpPr>
+        <p:spPr>
+          <a:xfrm>
+            <a:off x="663387" y="1927411"/>
+            <a:ext cx="6768354" cy="646331"/>
+          </a:xfrm>
+          <a:prstGeom prst="rect">
+            <a:avLst/>
+          </a:prstGeom>
+          <a:noFill/>
+        </p:spPr>
+        <p:txBody>
+          <a:bodyPr wrap="square" rtlCol="0">
+            <a:spAutoFit/>
+          </a:bodyPr>
+          <a:lstStyle/>
+          <a:p>
+            <a:r>
+              <a:rPr lang="en-IN" dirty="0"/>
+              <a:t>Range: 1-10</a:t>
+            </a:r>
+          </a:p>
+          <a:p>
+            <a:r>
+              <a:rPr lang="en-IN" dirty="0"/>
+              <a:t>Trust Tokens are calculated based on source of the information</a:t>
+            </a:r>
+          </a:p>
+        </p:txBody>
+      </p:sp>
+      <p:pic>
+        <p:nvPicPr>
+          <p:cNvPr id="5" name="Picture 4">
+            <a:extLst>
+              <a:ext uri="{FF2B5EF4-FFF2-40B4-BE49-F238E27FC236}">
+                <a16:creationId xmlns:a16="http://schemas.microsoft.com/office/drawing/2014/main" id="{43B84E7B-2E02-326E-A6A2-0D67101C0A2F}"/>
+              </a:ext>
+            </a:extLst>
+          </p:cNvPr>
+          <p:cNvPicPr>
+            <a:picLocks noChangeAspect="1"/>
+          </p:cNvPicPr>
+          <p:nvPr/>
+        </p:nvPicPr>
+        <p:blipFill>
+          <a:blip r:embed="rId2"/>
+          <a:stretch>
+            <a:fillRect/>
+          </a:stretch>
+        </p:blipFill>
+        <p:spPr>
+          <a:xfrm>
+            <a:off x="3540063" y="2709492"/>
+            <a:ext cx="4419959" cy="2209980"/>
+          </a:xfrm>
+          <a:prstGeom prst="rect">
+            <a:avLst/>
+          </a:prstGeom>
+        </p:spPr>
+      </p:pic>
+    </p:spTree>
+    <p:extLst>
+      <p:ext uri="{BB962C8B-B14F-4D97-AF65-F5344CB8AC3E}">
+        <p14:creationId xmlns:p14="http://schemas.microsoft.com/office/powerpoint/2010/main" val="2915384744"/>
       </p:ext>
     </p:extLst>
   </p:cSld>
@@ -28910,6 +29467,162 @@
           <a:chExt cx="0" cy="0"/>
         </a:xfrm>
       </p:grpSpPr>
+      <p:pic>
+        <p:nvPicPr>
+          <p:cNvPr id="3" name="Picture 2">
+            <a:extLst>
+              <a:ext uri="{FF2B5EF4-FFF2-40B4-BE49-F238E27FC236}">
+                <a16:creationId xmlns:a16="http://schemas.microsoft.com/office/drawing/2014/main" id="{44331E0E-EE5B-E0AA-B72D-5980287F3D7A}"/>
+              </a:ext>
+            </a:extLst>
+          </p:cNvPr>
+          <p:cNvPicPr>
+            <a:picLocks noChangeAspect="1"/>
+          </p:cNvPicPr>
+          <p:nvPr/>
+        </p:nvPicPr>
+        <p:blipFill>
+          <a:blip r:embed="rId2"/>
+          <a:stretch>
+            <a:fillRect/>
+          </a:stretch>
+        </p:blipFill>
+        <p:spPr>
+          <a:xfrm>
+            <a:off x="909637" y="1066800"/>
+            <a:ext cx="10372725" cy="4724400"/>
+          </a:xfrm>
+          <a:prstGeom prst="rect">
+            <a:avLst/>
+          </a:prstGeom>
+        </p:spPr>
+      </p:pic>
+    </p:spTree>
+    <p:extLst>
+      <p:ext uri="{BB962C8B-B14F-4D97-AF65-F5344CB8AC3E}">
+        <p14:creationId xmlns:p14="http://schemas.microsoft.com/office/powerpoint/2010/main" val="3403540016"/>
+      </p:ext>
+    </p:extLst>
+  </p:cSld>
+  <p:clrMapOvr>
+    <a:masterClrMapping/>
+  </p:clrMapOvr>
+</p:sld>
+</file>
+
+<file path=ppt/slides/slide7.xml><?xml version="1.0" encoding="utf-8"?>
+<p:sld xmlns:a="http://schemas.openxmlformats.org/drawingml/2006/main" xmlns:r="http://schemas.openxmlformats.org/officeDocument/2006/relationships" xmlns:p="http://schemas.openxmlformats.org/presentationml/2006/main">
+  <p:cSld>
+    <p:spTree>
+      <p:nvGrpSpPr>
+        <p:cNvPr id="1" name=""/>
+        <p:cNvGrpSpPr/>
+        <p:nvPr/>
+      </p:nvGrpSpPr>
+      <p:grpSpPr>
+        <a:xfrm>
+          <a:off x="0" y="0"/>
+          <a:ext cx="0" cy="0"/>
+          <a:chOff x="0" y="0"/>
+          <a:chExt cx="0" cy="0"/>
+        </a:xfrm>
+      </p:grpSpPr>
+      <p:pic>
+        <p:nvPicPr>
+          <p:cNvPr id="3" name="Picture 2">
+            <a:extLst>
+              <a:ext uri="{FF2B5EF4-FFF2-40B4-BE49-F238E27FC236}">
+                <a16:creationId xmlns:a16="http://schemas.microsoft.com/office/drawing/2014/main" id="{F6B6693C-694E-22DE-3574-FCB36DADFD7A}"/>
+              </a:ext>
+            </a:extLst>
+          </p:cNvPr>
+          <p:cNvPicPr>
+            <a:picLocks noChangeAspect="1"/>
+          </p:cNvPicPr>
+          <p:nvPr/>
+        </p:nvPicPr>
+        <p:blipFill>
+          <a:blip r:embed="rId2"/>
+          <a:stretch>
+            <a:fillRect/>
+          </a:stretch>
+        </p:blipFill>
+        <p:spPr>
+          <a:xfrm>
+            <a:off x="1230208" y="1333318"/>
+            <a:ext cx="9731583" cy="4191363"/>
+          </a:xfrm>
+          <a:prstGeom prst="rect">
+            <a:avLst/>
+          </a:prstGeom>
+        </p:spPr>
+      </p:pic>
+      <p:sp>
+        <p:nvSpPr>
+          <p:cNvPr id="4" name="Title 3">
+            <a:extLst>
+              <a:ext uri="{FF2B5EF4-FFF2-40B4-BE49-F238E27FC236}">
+                <a16:creationId xmlns:a16="http://schemas.microsoft.com/office/drawing/2014/main" id="{60D613B6-81E8-7DF6-FD2D-0A147F08C468}"/>
+              </a:ext>
+            </a:extLst>
+          </p:cNvPr>
+          <p:cNvSpPr>
+            <a:spLocks noGrp="1"/>
+          </p:cNvSpPr>
+          <p:nvPr>
+            <p:ph type="title"/>
+          </p:nvPr>
+        </p:nvSpPr>
+        <p:spPr/>
+        <p:txBody>
+          <a:bodyPr/>
+          <a:lstStyle/>
+          <a:p>
+            <a:r>
+              <a:rPr lang="en-IN" dirty="0"/>
+              <a:t>Vectorization using </a:t>
+            </a:r>
+            <a:r>
+              <a:rPr lang="en-IN" dirty="0" err="1"/>
+              <a:t>Tf</a:t>
+            </a:r>
+            <a:r>
+              <a:rPr lang="en-IN" dirty="0"/>
+              <a:t>-IDF</a:t>
+            </a:r>
+          </a:p>
+        </p:txBody>
+      </p:sp>
+    </p:spTree>
+    <p:extLst>
+      <p:ext uri="{BB962C8B-B14F-4D97-AF65-F5344CB8AC3E}">
+        <p14:creationId xmlns:p14="http://schemas.microsoft.com/office/powerpoint/2010/main" val="2093950410"/>
+      </p:ext>
+    </p:extLst>
+  </p:cSld>
+  <p:clrMapOvr>
+    <a:masterClrMapping/>
+  </p:clrMapOvr>
+</p:sld>
+</file>
+
+<file path=ppt/slides/slide8.xml><?xml version="1.0" encoding="utf-8"?>
+<p:sld xmlns:a="http://schemas.openxmlformats.org/drawingml/2006/main" xmlns:r="http://schemas.openxmlformats.org/officeDocument/2006/relationships" xmlns:p="http://schemas.openxmlformats.org/presentationml/2006/main">
+  <p:cSld>
+    <p:spTree>
+      <p:nvGrpSpPr>
+        <p:cNvPr id="1" name=""/>
+        <p:cNvGrpSpPr/>
+        <p:nvPr/>
+      </p:nvGrpSpPr>
+      <p:grpSpPr>
+        <a:xfrm>
+          <a:off x="0" y="0"/>
+          <a:ext cx="0" cy="0"/>
+          <a:chOff x="0" y="0"/>
+          <a:chExt cx="0" cy="0"/>
+        </a:xfrm>
+      </p:grpSpPr>
       <p:graphicFrame>
         <p:nvGraphicFramePr>
           <p:cNvPr id="2" name="Diagram 1">
@@ -28951,7 +29664,7 @@
 </p:sld>
 </file>
 
-<file path=ppt/slides/slide7.xml><?xml version="1.0" encoding="utf-8"?>
+<file path=ppt/slides/slide9.xml><?xml version="1.0" encoding="utf-8"?>
 <p:sld xmlns:a="http://schemas.openxmlformats.org/drawingml/2006/main" xmlns:r="http://schemas.openxmlformats.org/officeDocument/2006/relationships" xmlns:p="http://schemas.openxmlformats.org/presentationml/2006/main">
   <p:cSld>
     <p:spTree>
@@ -29028,178 +29741,6 @@
     <p:extLst>
       <p:ext uri="{BB962C8B-B14F-4D97-AF65-F5344CB8AC3E}">
         <p14:creationId xmlns:p14="http://schemas.microsoft.com/office/powerpoint/2010/main" val="400783768"/>
-      </p:ext>
-    </p:extLst>
-  </p:cSld>
-  <p:clrMapOvr>
-    <a:masterClrMapping/>
-  </p:clrMapOvr>
-</p:sld>
-</file>
-
-<file path=ppt/slides/slide8.xml><?xml version="1.0" encoding="utf-8"?>
-<p:sld xmlns:a="http://schemas.openxmlformats.org/drawingml/2006/main" xmlns:r="http://schemas.openxmlformats.org/officeDocument/2006/relationships" xmlns:p="http://schemas.openxmlformats.org/presentationml/2006/main">
-  <p:cSld>
-    <p:spTree>
-      <p:nvGrpSpPr>
-        <p:cNvPr id="1" name=""/>
-        <p:cNvGrpSpPr/>
-        <p:nvPr/>
-      </p:nvGrpSpPr>
-      <p:grpSpPr>
-        <a:xfrm>
-          <a:off x="0" y="0"/>
-          <a:ext cx="0" cy="0"/>
-          <a:chOff x="0" y="0"/>
-          <a:chExt cx="0" cy="0"/>
-        </a:xfrm>
-      </p:grpSpPr>
-      <p:sp>
-        <p:nvSpPr>
-          <p:cNvPr id="2" name="Title 1">
-            <a:extLst>
-              <a:ext uri="{FF2B5EF4-FFF2-40B4-BE49-F238E27FC236}">
-                <a16:creationId xmlns:a16="http://schemas.microsoft.com/office/drawing/2014/main" id="{36687A7D-60FF-61FC-5736-EDA1C5AB9933}"/>
-              </a:ext>
-            </a:extLst>
-          </p:cNvPr>
-          <p:cNvSpPr>
-            <a:spLocks noGrp="1"/>
-          </p:cNvSpPr>
-          <p:nvPr>
-            <p:ph type="title"/>
-          </p:nvPr>
-        </p:nvSpPr>
-        <p:spPr/>
-        <p:txBody>
-          <a:bodyPr/>
-          <a:lstStyle/>
-          <a:p>
-            <a:r>
-              <a:rPr lang="en-IN" dirty="0"/>
-              <a:t>  </a:t>
-            </a:r>
-          </a:p>
-        </p:txBody>
-      </p:sp>
-      <p:graphicFrame>
-        <p:nvGraphicFramePr>
-          <p:cNvPr id="3" name="Diagram 2">
-            <a:extLst>
-              <a:ext uri="{FF2B5EF4-FFF2-40B4-BE49-F238E27FC236}">
-                <a16:creationId xmlns:a16="http://schemas.microsoft.com/office/drawing/2014/main" id="{CD43C9DD-5A5B-4AB5-6C16-BCB2AB9DEE09}"/>
-              </a:ext>
-            </a:extLst>
-          </p:cNvPr>
-          <p:cNvGraphicFramePr/>
-          <p:nvPr>
-            <p:extLst>
-              <p:ext uri="{D42A27DB-BD31-4B8C-83A1-F6EECF244321}">
-                <p14:modId xmlns:p14="http://schemas.microsoft.com/office/powerpoint/2010/main" val="631300099"/>
-              </p:ext>
-            </p:extLst>
-          </p:nvPr>
-        </p:nvGraphicFramePr>
-        <p:xfrm>
-          <a:off x="2032000" y="719666"/>
-          <a:ext cx="8128000" cy="5418667"/>
-        </p:xfrm>
-        <a:graphic>
-          <a:graphicData uri="http://schemas.openxmlformats.org/drawingml/2006/diagram">
-            <dgm:relIds xmlns:dgm="http://schemas.openxmlformats.org/drawingml/2006/diagram" xmlns:r="http://schemas.openxmlformats.org/officeDocument/2006/relationships" r:dm="rId2" r:lo="rId3" r:qs="rId4" r:cs="rId5"/>
-          </a:graphicData>
-        </a:graphic>
-      </p:graphicFrame>
-    </p:spTree>
-    <p:extLst>
-      <p:ext uri="{BB962C8B-B14F-4D97-AF65-F5344CB8AC3E}">
-        <p14:creationId xmlns:p14="http://schemas.microsoft.com/office/powerpoint/2010/main" val="1777066670"/>
-      </p:ext>
-    </p:extLst>
-  </p:cSld>
-  <p:clrMapOvr>
-    <a:masterClrMapping/>
-  </p:clrMapOvr>
-</p:sld>
-</file>
-
-<file path=ppt/slides/slide9.xml><?xml version="1.0" encoding="utf-8"?>
-<p:sld xmlns:a="http://schemas.openxmlformats.org/drawingml/2006/main" xmlns:r="http://schemas.openxmlformats.org/officeDocument/2006/relationships" xmlns:p="http://schemas.openxmlformats.org/presentationml/2006/main">
-  <p:cSld>
-    <p:spTree>
-      <p:nvGrpSpPr>
-        <p:cNvPr id="1" name=""/>
-        <p:cNvGrpSpPr/>
-        <p:nvPr/>
-      </p:nvGrpSpPr>
-      <p:grpSpPr>
-        <a:xfrm>
-          <a:off x="0" y="0"/>
-          <a:ext cx="0" cy="0"/>
-          <a:chOff x="0" y="0"/>
-          <a:chExt cx="0" cy="0"/>
-        </a:xfrm>
-      </p:grpSpPr>
-      <p:sp>
-        <p:nvSpPr>
-          <p:cNvPr id="2" name="Title 1">
-            <a:extLst>
-              <a:ext uri="{FF2B5EF4-FFF2-40B4-BE49-F238E27FC236}">
-                <a16:creationId xmlns:a16="http://schemas.microsoft.com/office/drawing/2014/main" id="{A0CF0DD7-39B9-4B35-382B-1949730F3B48}"/>
-              </a:ext>
-            </a:extLst>
-          </p:cNvPr>
-          <p:cNvSpPr>
-            <a:spLocks noGrp="1"/>
-          </p:cNvSpPr>
-          <p:nvPr>
-            <p:ph type="title"/>
-          </p:nvPr>
-        </p:nvSpPr>
-        <p:spPr/>
-        <p:txBody>
-          <a:bodyPr/>
-          <a:lstStyle/>
-          <a:p>
-            <a:r>
-              <a:rPr lang="en-IN" dirty="0"/>
-              <a:t> </a:t>
-            </a:r>
-          </a:p>
-        </p:txBody>
-      </p:sp>
-      <p:graphicFrame>
-        <p:nvGraphicFramePr>
-          <p:cNvPr id="3" name="Diagram 2">
-            <a:extLst>
-              <a:ext uri="{FF2B5EF4-FFF2-40B4-BE49-F238E27FC236}">
-                <a16:creationId xmlns:a16="http://schemas.microsoft.com/office/drawing/2014/main" id="{9CFC9DF1-A566-60E0-F8B6-B8E93F42479C}"/>
-              </a:ext>
-            </a:extLst>
-          </p:cNvPr>
-          <p:cNvGraphicFramePr/>
-          <p:nvPr>
-            <p:extLst>
-              <p:ext uri="{D42A27DB-BD31-4B8C-83A1-F6EECF244321}">
-                <p14:modId xmlns:p14="http://schemas.microsoft.com/office/powerpoint/2010/main" val="836986208"/>
-              </p:ext>
-            </p:extLst>
-          </p:nvPr>
-        </p:nvGraphicFramePr>
-        <p:xfrm>
-          <a:off x="2032000" y="719666"/>
-          <a:ext cx="8128000" cy="5418667"/>
-        </p:xfrm>
-        <a:graphic>
-          <a:graphicData uri="http://schemas.openxmlformats.org/drawingml/2006/diagram">
-            <dgm:relIds xmlns:dgm="http://schemas.openxmlformats.org/drawingml/2006/diagram" xmlns:r="http://schemas.openxmlformats.org/officeDocument/2006/relationships" r:dm="rId2" r:lo="rId3" r:qs="rId4" r:cs="rId5"/>
-          </a:graphicData>
-        </a:graphic>
-      </p:graphicFrame>
-    </p:spTree>
-    <p:extLst>
-      <p:ext uri="{BB962C8B-B14F-4D97-AF65-F5344CB8AC3E}">
-        <p14:creationId xmlns:p14="http://schemas.microsoft.com/office/powerpoint/2010/main" val="2694633770"/>
       </p:ext>
     </p:extLst>
   </p:cSld>
